--- a/DS405_ML_presentation_2.pptx
+++ b/DS405_ML_presentation_2.pptx
@@ -1,6 +1,6 @@
 
 <file path=ppt/presentation.xml><?xml version="1.0" encoding="utf-8"?>
-<p:presentation xmlns:a="http://schemas.openxmlformats.org/drawingml/2006/main" xmlns:r="http://schemas.openxmlformats.org/officeDocument/2006/relationships" xmlns:p="http://schemas.openxmlformats.org/presentationml/2006/main" saveSubsetFonts="1">
+<p:presentation xmlns:a="http://schemas.openxmlformats.org/drawingml/2006/main" xmlns:r="http://schemas.openxmlformats.org/officeDocument/2006/relationships" xmlns:p="http://schemas.openxmlformats.org/presentationml/2006/main" showSpecialPlsOnTitleSld="0" saveSubsetFonts="1">
   <p:sldMasterIdLst>
     <p:sldMasterId id="2147483648" r:id="rId1"/>
   </p:sldMasterIdLst>
@@ -129,6 +129,7 @@
 <file path=ppt/revisionInfo.xml><?xml version="1.0" encoding="utf-8"?>
 <p1510:revInfo xmlns:a="http://schemas.openxmlformats.org/drawingml/2006/main" xmlns:r="http://schemas.openxmlformats.org/officeDocument/2006/relationships" xmlns:p1510="http://schemas.microsoft.com/office/powerpoint/2015/10/main">
   <p1510:revLst>
+    <p1510:client id="{4C3D6C1C-D381-4CBA-ACFD-0B463875BEB5}" v="4" dt="2024-01-28T16:58:02.932"/>
     <p1510:client id="{D8C5DB4E-0174-400D-9891-39AA70855FB1}" v="257" dt="2024-01-28T14:02:34.014"/>
   </p1510:revLst>
 </p1510:revInfo>
@@ -672,6 +673,108 @@
       </pc:sldChg>
     </pc:docChg>
   </pc:docChgLst>
+  <pc:docChgLst>
+    <pc:chgData name="Benjamin Herzberger" userId="3bec8798b78bcecb" providerId="LiveId" clId="{4C3D6C1C-D381-4CBA-ACFD-0B463875BEB5}"/>
+    <pc:docChg chg="undo custSel modSld">
+      <pc:chgData name="Benjamin Herzberger" userId="3bec8798b78bcecb" providerId="LiveId" clId="{4C3D6C1C-D381-4CBA-ACFD-0B463875BEB5}" dt="2024-01-28T16:53:55.773" v="1073" actId="478"/>
+      <pc:docMkLst>
+        <pc:docMk/>
+      </pc:docMkLst>
+      <pc:sldChg chg="modSp mod">
+        <pc:chgData name="Benjamin Herzberger" userId="3bec8798b78bcecb" providerId="LiveId" clId="{4C3D6C1C-D381-4CBA-ACFD-0B463875BEB5}" dt="2024-01-28T16:35:08.415" v="251" actId="20577"/>
+        <pc:sldMkLst>
+          <pc:docMk/>
+          <pc:sldMk cId="2364694745" sldId="260"/>
+        </pc:sldMkLst>
+        <pc:spChg chg="mod">
+          <ac:chgData name="Benjamin Herzberger" userId="3bec8798b78bcecb" providerId="LiveId" clId="{4C3D6C1C-D381-4CBA-ACFD-0B463875BEB5}" dt="2024-01-28T16:35:08.415" v="251" actId="20577"/>
+          <ac:spMkLst>
+            <pc:docMk/>
+            <pc:sldMk cId="2364694745" sldId="260"/>
+            <ac:spMk id="13" creationId="{1E3E1EF5-DAC0-E562-67E7-6226DD122C41}"/>
+          </ac:spMkLst>
+        </pc:spChg>
+      </pc:sldChg>
+      <pc:sldChg chg="modSp mod">
+        <pc:chgData name="Benjamin Herzberger" userId="3bec8798b78bcecb" providerId="LiveId" clId="{4C3D6C1C-D381-4CBA-ACFD-0B463875BEB5}" dt="2024-01-28T16:50:12.064" v="767" actId="1076"/>
+        <pc:sldMkLst>
+          <pc:docMk/>
+          <pc:sldMk cId="2703847454" sldId="263"/>
+        </pc:sldMkLst>
+        <pc:spChg chg="mod">
+          <ac:chgData name="Benjamin Herzberger" userId="3bec8798b78bcecb" providerId="LiveId" clId="{4C3D6C1C-D381-4CBA-ACFD-0B463875BEB5}" dt="2024-01-28T16:50:12.064" v="767" actId="1076"/>
+          <ac:spMkLst>
+            <pc:docMk/>
+            <pc:sldMk cId="2703847454" sldId="263"/>
+            <ac:spMk id="5" creationId="{D821F8C2-675C-5A8C-8EF5-0C288ED559A6}"/>
+          </ac:spMkLst>
+        </pc:spChg>
+        <pc:spChg chg="mod">
+          <ac:chgData name="Benjamin Herzberger" userId="3bec8798b78bcecb" providerId="LiveId" clId="{4C3D6C1C-D381-4CBA-ACFD-0B463875BEB5}" dt="2024-01-28T16:40:18.525" v="268" actId="20577"/>
+          <ac:spMkLst>
+            <pc:docMk/>
+            <pc:sldMk cId="2703847454" sldId="263"/>
+            <ac:spMk id="7" creationId="{751DBF00-AC1E-C92A-8CFE-C29C11622433}"/>
+          </ac:spMkLst>
+        </pc:spChg>
+        <pc:spChg chg="mod">
+          <ac:chgData name="Benjamin Herzberger" userId="3bec8798b78bcecb" providerId="LiveId" clId="{4C3D6C1C-D381-4CBA-ACFD-0B463875BEB5}" dt="2024-01-28T16:48:42.189" v="571" actId="20577"/>
+          <ac:spMkLst>
+            <pc:docMk/>
+            <pc:sldMk cId="2703847454" sldId="263"/>
+            <ac:spMk id="12" creationId="{ED935BBD-4009-FD29-E7D9-8F32102588B0}"/>
+          </ac:spMkLst>
+        </pc:spChg>
+      </pc:sldChg>
+      <pc:sldChg chg="addSp delSp modSp mod">
+        <pc:chgData name="Benjamin Herzberger" userId="3bec8798b78bcecb" providerId="LiveId" clId="{4C3D6C1C-D381-4CBA-ACFD-0B463875BEB5}" dt="2024-01-28T16:53:55.773" v="1073" actId="478"/>
+        <pc:sldMkLst>
+          <pc:docMk/>
+          <pc:sldMk cId="189191566" sldId="264"/>
+        </pc:sldMkLst>
+        <pc:spChg chg="add del mod">
+          <ac:chgData name="Benjamin Herzberger" userId="3bec8798b78bcecb" providerId="LiveId" clId="{4C3D6C1C-D381-4CBA-ACFD-0B463875BEB5}" dt="2024-01-28T16:53:01.289" v="1068" actId="478"/>
+          <ac:spMkLst>
+            <pc:docMk/>
+            <pc:sldMk cId="189191566" sldId="264"/>
+            <ac:spMk id="3" creationId="{3440E554-878C-F416-68E8-5BAFC3639A1E}"/>
+          </ac:spMkLst>
+        </pc:spChg>
+        <pc:spChg chg="add mod">
+          <ac:chgData name="Benjamin Herzberger" userId="3bec8798b78bcecb" providerId="LiveId" clId="{4C3D6C1C-D381-4CBA-ACFD-0B463875BEB5}" dt="2024-01-28T16:52:59.214" v="1058" actId="20577"/>
+          <ac:spMkLst>
+            <pc:docMk/>
+            <pc:sldMk cId="189191566" sldId="264"/>
+            <ac:spMk id="4" creationId="{8856247E-5251-9D91-8996-4024C68E4782}"/>
+          </ac:spMkLst>
+        </pc:spChg>
+        <pc:spChg chg="mod">
+          <ac:chgData name="Benjamin Herzberger" userId="3bec8798b78bcecb" providerId="LiveId" clId="{4C3D6C1C-D381-4CBA-ACFD-0B463875BEB5}" dt="2024-01-28T16:53:13.356" v="1071" actId="1076"/>
+          <ac:spMkLst>
+            <pc:docMk/>
+            <pc:sldMk cId="189191566" sldId="264"/>
+            <ac:spMk id="5" creationId="{D821F8C2-675C-5A8C-8EF5-0C288ED559A6}"/>
+          </ac:spMkLst>
+        </pc:spChg>
+        <pc:spChg chg="add del">
+          <ac:chgData name="Benjamin Herzberger" userId="3bec8798b78bcecb" providerId="LiveId" clId="{4C3D6C1C-D381-4CBA-ACFD-0B463875BEB5}" dt="2024-01-28T16:53:53.232" v="1072" actId="478"/>
+          <ac:spMkLst>
+            <pc:docMk/>
+            <pc:sldMk cId="189191566" sldId="264"/>
+            <ac:spMk id="7" creationId="{751DBF00-AC1E-C92A-8CFE-C29C11622433}"/>
+          </ac:spMkLst>
+        </pc:spChg>
+        <pc:spChg chg="add del mod">
+          <ac:chgData name="Benjamin Herzberger" userId="3bec8798b78bcecb" providerId="LiveId" clId="{4C3D6C1C-D381-4CBA-ACFD-0B463875BEB5}" dt="2024-01-28T16:53:55.773" v="1073" actId="478"/>
+          <ac:spMkLst>
+            <pc:docMk/>
+            <pc:sldMk cId="189191566" sldId="264"/>
+            <ac:spMk id="8" creationId="{66CF4A0F-07D1-9FEA-821F-2B2D3071EA39}"/>
+          </ac:spMkLst>
+        </pc:spChg>
+      </pc:sldChg>
+    </pc:docChg>
+  </pc:docChgLst>
 </pc:chgInfo>
 </file>
 
@@ -1369,7 +1472,7 @@
           <a:bodyPr/>
           <a:lstStyle/>
           <a:p>
-            <a:fld id="{046E0221-5632-43C1-9F08-A789EB9640F0}" type="datetime1">
+            <a:fld id="{535E6F06-87A3-4F05-86DF-753707A6984C}" type="datetime1">
               <a:rPr lang="en-US" smtClean="0"/>
               <a:t>1/28/2024</a:t>
             </a:fld>
@@ -1569,7 +1672,7 @@
           <a:bodyPr/>
           <a:lstStyle/>
           <a:p>
-            <a:fld id="{46BA8484-7B80-4A5E-9A1C-6FB1060CD2D0}" type="datetime1">
+            <a:fld id="{2BEF2B05-3259-4C97-9FF5-99FA59F4E70C}" type="datetime1">
               <a:rPr lang="en-US" smtClean="0"/>
               <a:t>1/28/2024</a:t>
             </a:fld>
@@ -1779,7 +1882,7 @@
           <a:bodyPr/>
           <a:lstStyle/>
           <a:p>
-            <a:fld id="{964C24CF-D3FA-4145-8BEC-0FF1CC384B86}" type="datetime1">
+            <a:fld id="{871F8E4D-86EE-4EA4-B35A-5DD25517A6DD}" type="datetime1">
               <a:rPr lang="en-US" smtClean="0"/>
               <a:t>1/28/2024</a:t>
             </a:fld>
@@ -1979,7 +2082,7 @@
           <a:bodyPr/>
           <a:lstStyle/>
           <a:p>
-            <a:fld id="{2C618A7A-78AE-44D5-8DAA-123704FBACCB}" type="datetime1">
+            <a:fld id="{4A73D3C9-4137-4C50-865D-C47C3FF96434}" type="datetime1">
               <a:rPr lang="en-US" smtClean="0"/>
               <a:t>1/28/2024</a:t>
             </a:fld>
@@ -2255,7 +2358,7 @@
           <a:bodyPr/>
           <a:lstStyle/>
           <a:p>
-            <a:fld id="{BBB77CA4-4924-4928-B03F-DF2822E37B1A}" type="datetime1">
+            <a:fld id="{288A35BC-9998-468E-B788-A1E0AB01D4FA}" type="datetime1">
               <a:rPr lang="en-US" smtClean="0"/>
               <a:t>1/28/2024</a:t>
             </a:fld>
@@ -2523,7 +2626,7 @@
           <a:bodyPr/>
           <a:lstStyle/>
           <a:p>
-            <a:fld id="{001346F1-59CD-4606-AB40-4D2BB43AA4B0}" type="datetime1">
+            <a:fld id="{05220D96-70BF-4D07-975E-388FBC898993}" type="datetime1">
               <a:rPr lang="en-US" smtClean="0"/>
               <a:t>1/28/2024</a:t>
             </a:fld>
@@ -2938,7 +3041,7 @@
           <a:bodyPr/>
           <a:lstStyle/>
           <a:p>
-            <a:fld id="{CC51C06D-B65F-4A09-983C-C45296990354}" type="datetime1">
+            <a:fld id="{68887D9D-CE43-4F7A-90CD-5A0AB348F9A5}" type="datetime1">
               <a:rPr lang="en-US" smtClean="0"/>
               <a:t>1/28/2024</a:t>
             </a:fld>
@@ -3080,7 +3183,7 @@
           <a:bodyPr/>
           <a:lstStyle/>
           <a:p>
-            <a:fld id="{1A3A93C2-8788-4F70-98CF-DDDA0FEC59E0}" type="datetime1">
+            <a:fld id="{EDB5311B-AF78-426D-A869-7F61B167DC48}" type="datetime1">
               <a:rPr lang="en-US" smtClean="0"/>
               <a:t>1/28/2024</a:t>
             </a:fld>
@@ -3193,7 +3296,7 @@
           <a:bodyPr/>
           <a:lstStyle/>
           <a:p>
-            <a:fld id="{6974239B-0974-429F-A782-12A2F9661C8E}" type="datetime1">
+            <a:fld id="{ECF7B831-B596-47E7-A13F-DEEAE0F1DC52}" type="datetime1">
               <a:rPr lang="en-US" smtClean="0"/>
               <a:t>1/28/2024</a:t>
             </a:fld>
@@ -3506,7 +3609,7 @@
           <a:bodyPr/>
           <a:lstStyle/>
           <a:p>
-            <a:fld id="{B4A449CB-531D-4487-9638-91757C21E7EB}" type="datetime1">
+            <a:fld id="{1B1125B0-DFD6-42F4-8687-A8BC1D747D5D}" type="datetime1">
               <a:rPr lang="en-US" smtClean="0"/>
               <a:t>1/28/2024</a:t>
             </a:fld>
@@ -3795,7 +3898,7 @@
           <a:bodyPr/>
           <a:lstStyle/>
           <a:p>
-            <a:fld id="{55CC263B-2D60-4807-B83C-32ADE9FA200B}" type="datetime1">
+            <a:fld id="{66EC9C4A-0C9D-44F9-AAE0-A3FC7B16FB09}" type="datetime1">
               <a:rPr lang="en-US" smtClean="0"/>
               <a:t>1/28/2024</a:t>
             </a:fld>
@@ -4066,7 +4169,7 @@
             </a:lvl1pPr>
           </a:lstStyle>
           <a:p>
-            <a:fld id="{E18110E4-4BB1-45B4-898C-DCA66D0B787C}" type="datetime1">
+            <a:fld id="{2A3EEE93-497C-45B3-8BC6-7335C79E78E5}" type="datetime1">
               <a:rPr lang="en-US" smtClean="0"/>
               <a:t>1/28/2024</a:t>
             </a:fld>
@@ -4185,7 +4288,7 @@
     <p:sldLayoutId id="2147483658" r:id="rId10"/>
     <p:sldLayoutId id="2147483659" r:id="rId11"/>
   </p:sldLayoutIdLst>
-  <p:hf sldNum="0" hdr="0" ftr="0" dt="0"/>
+  <p:hf hdr="0" ftr="0" dt="0"/>
   <p:txStyles>
     <p:titleStyle>
       <a:lvl1pPr algn="l" defTabSz="914400" rtl="0" eaLnBrk="1" latinLnBrk="0" hangingPunct="1">
@@ -5210,6 +5313,35 @@
           </a:p>
         </p:txBody>
       </p:sp>
+      <p:sp>
+        <p:nvSpPr>
+          <p:cNvPr id="2" name="Foliennummernplatzhalter 1">
+            <a:extLst>
+              <a:ext uri="{FF2B5EF4-FFF2-40B4-BE49-F238E27FC236}">
+                <a16:creationId xmlns:a16="http://schemas.microsoft.com/office/drawing/2014/main" id="{CA6CB026-52BA-ABDF-F550-CFD2BBEE090B}"/>
+              </a:ext>
+            </a:extLst>
+          </p:cNvPr>
+          <p:cNvSpPr>
+            <a:spLocks noGrp="1"/>
+          </p:cNvSpPr>
+          <p:nvPr>
+            <p:ph type="sldNum" sz="quarter" idx="12"/>
+          </p:nvPr>
+        </p:nvSpPr>
+        <p:spPr/>
+        <p:txBody>
+          <a:bodyPr/>
+          <a:lstStyle/>
+          <a:p>
+            <a:fld id="{6B14F822-F3AE-4E53-92AD-369648C2C3CE}" type="slidenum">
+              <a:rPr lang="en-US" smtClean="0"/>
+              <a:t>2</a:t>
+            </a:fld>
+            <a:endParaRPr lang="en-US"/>
+          </a:p>
+        </p:txBody>
+      </p:sp>
     </p:spTree>
     <p:extLst>
       <p:ext uri="{BB962C8B-B14F-4D97-AF65-F5344CB8AC3E}">
@@ -5779,6 +5911,35 @@
             <a:endParaRPr lang="en-US" dirty="0">
               <a:latin typeface="Palatino Linotype" panose="02040502050505030304" pitchFamily="18" charset="0"/>
             </a:endParaRPr>
+          </a:p>
+        </p:txBody>
+      </p:sp>
+      <p:sp>
+        <p:nvSpPr>
+          <p:cNvPr id="2" name="Foliennummernplatzhalter 1">
+            <a:extLst>
+              <a:ext uri="{FF2B5EF4-FFF2-40B4-BE49-F238E27FC236}">
+                <a16:creationId xmlns:a16="http://schemas.microsoft.com/office/drawing/2014/main" id="{F65F8269-2FE0-F92C-4E1B-794EC1F665AC}"/>
+              </a:ext>
+            </a:extLst>
+          </p:cNvPr>
+          <p:cNvSpPr>
+            <a:spLocks noGrp="1"/>
+          </p:cNvSpPr>
+          <p:nvPr>
+            <p:ph type="sldNum" sz="quarter" idx="12"/>
+          </p:nvPr>
+        </p:nvSpPr>
+        <p:spPr/>
+        <p:txBody>
+          <a:bodyPr/>
+          <a:lstStyle/>
+          <a:p>
+            <a:fld id="{6B14F822-F3AE-4E53-92AD-369648C2C3CE}" type="slidenum">
+              <a:rPr lang="en-US" smtClean="0"/>
+              <a:t>3</a:t>
+            </a:fld>
+            <a:endParaRPr lang="en-US"/>
           </a:p>
         </p:txBody>
       </p:sp>
@@ -6173,6 +6334,35 @@
               <a:effectLst/>
               <a:latin typeface="Arial" panose="020B0604020202020204" pitchFamily="34" charset="0"/>
             </a:endParaRPr>
+          </a:p>
+        </p:txBody>
+      </p:sp>
+      <p:sp>
+        <p:nvSpPr>
+          <p:cNvPr id="5" name="Foliennummernplatzhalter 4">
+            <a:extLst>
+              <a:ext uri="{FF2B5EF4-FFF2-40B4-BE49-F238E27FC236}">
+                <a16:creationId xmlns:a16="http://schemas.microsoft.com/office/drawing/2014/main" id="{58022919-EE11-2D0E-031E-C26215693C1B}"/>
+              </a:ext>
+            </a:extLst>
+          </p:cNvPr>
+          <p:cNvSpPr>
+            <a:spLocks noGrp="1"/>
+          </p:cNvSpPr>
+          <p:nvPr>
+            <p:ph type="sldNum" sz="quarter" idx="12"/>
+          </p:nvPr>
+        </p:nvSpPr>
+        <p:spPr/>
+        <p:txBody>
+          <a:bodyPr/>
+          <a:lstStyle/>
+          <a:p>
+            <a:fld id="{6B14F822-F3AE-4E53-92AD-369648C2C3CE}" type="slidenum">
+              <a:rPr lang="en-US" smtClean="0"/>
+              <a:t>4</a:t>
+            </a:fld>
+            <a:endParaRPr lang="en-US"/>
           </a:p>
         </p:txBody>
       </p:sp>
@@ -7013,6 +7203,35 @@
           </a:p>
         </p:txBody>
       </p:sp>
+      <p:sp>
+        <p:nvSpPr>
+          <p:cNvPr id="3" name="Foliennummernplatzhalter 2">
+            <a:extLst>
+              <a:ext uri="{FF2B5EF4-FFF2-40B4-BE49-F238E27FC236}">
+                <a16:creationId xmlns:a16="http://schemas.microsoft.com/office/drawing/2014/main" id="{88D87DA2-FAE3-DEC4-F3CC-BA665EFEA71A}"/>
+              </a:ext>
+            </a:extLst>
+          </p:cNvPr>
+          <p:cNvSpPr>
+            <a:spLocks noGrp="1"/>
+          </p:cNvSpPr>
+          <p:nvPr>
+            <p:ph type="sldNum" sz="quarter" idx="12"/>
+          </p:nvPr>
+        </p:nvSpPr>
+        <p:spPr/>
+        <p:txBody>
+          <a:bodyPr/>
+          <a:lstStyle/>
+          <a:p>
+            <a:fld id="{6B14F822-F3AE-4E53-92AD-369648C2C3CE}" type="slidenum">
+              <a:rPr lang="en-US" smtClean="0"/>
+              <a:t>5</a:t>
+            </a:fld>
+            <a:endParaRPr lang="en-US"/>
+          </a:p>
+        </p:txBody>
+      </p:sp>
     </p:spTree>
     <p:extLst>
       <p:ext uri="{BB962C8B-B14F-4D97-AF65-F5344CB8AC3E}">
@@ -7437,6 +7656,35 @@
           </a:p>
         </p:txBody>
       </p:sp>
+      <p:sp>
+        <p:nvSpPr>
+          <p:cNvPr id="2" name="Foliennummernplatzhalter 1">
+            <a:extLst>
+              <a:ext uri="{FF2B5EF4-FFF2-40B4-BE49-F238E27FC236}">
+                <a16:creationId xmlns:a16="http://schemas.microsoft.com/office/drawing/2014/main" id="{90F777E5-5D27-B7C5-CB60-58BA74B4ACA9}"/>
+              </a:ext>
+            </a:extLst>
+          </p:cNvPr>
+          <p:cNvSpPr>
+            <a:spLocks noGrp="1"/>
+          </p:cNvSpPr>
+          <p:nvPr>
+            <p:ph type="sldNum" sz="quarter" idx="12"/>
+          </p:nvPr>
+        </p:nvSpPr>
+        <p:spPr/>
+        <p:txBody>
+          <a:bodyPr/>
+          <a:lstStyle/>
+          <a:p>
+            <a:fld id="{6B14F822-F3AE-4E53-92AD-369648C2C3CE}" type="slidenum">
+              <a:rPr lang="en-US" smtClean="0"/>
+              <a:t>6</a:t>
+            </a:fld>
+            <a:endParaRPr lang="en-US"/>
+          </a:p>
+        </p:txBody>
+      </p:sp>
     </p:spTree>
     <p:extLst>
       <p:ext uri="{BB962C8B-B14F-4D97-AF65-F5344CB8AC3E}">
@@ -7694,7 +7942,7 @@
         <p:spPr>
           <a:xfrm>
             <a:off x="5469147" y="1668083"/>
-            <a:ext cx="5046453" cy="4524315"/>
+            <a:ext cx="5046453" cy="4801314"/>
           </a:xfrm>
           <a:prstGeom prst="rect">
             <a:avLst/>
@@ -7715,7 +7963,7 @@
               <a:rPr lang="en-US" dirty="0">
                 <a:latin typeface="Palatino Linotype" panose="02040502050505030304" pitchFamily="18" charset="0"/>
               </a:rPr>
-              <a:t>Shapley values explain ML output via Game Theory.</a:t>
+              <a:t>Shapley values capture each variable's influence on prediction</a:t>
             </a:r>
           </a:p>
           <a:p>
@@ -7727,7 +7975,7 @@
               <a:rPr lang="en-US" dirty="0">
                 <a:latin typeface="Palatino Linotype" panose="02040502050505030304" pitchFamily="18" charset="0"/>
               </a:rPr>
-              <a:t>Capture each variable's influence on prediction.</a:t>
+              <a:t>Direct comparison of feature influences</a:t>
             </a:r>
           </a:p>
           <a:p>
@@ -7739,7 +7987,7 @@
               <a:rPr lang="en-US" dirty="0">
                 <a:latin typeface="Palatino Linotype" panose="02040502050505030304" pitchFamily="18" charset="0"/>
               </a:rPr>
-              <a:t>Direct comparison of feature influences.</a:t>
+              <a:t>Red symbolizes higher values in features</a:t>
             </a:r>
           </a:p>
           <a:p>
@@ -7751,19 +7999,7 @@
               <a:rPr lang="en-US" dirty="0">
                 <a:latin typeface="Palatino Linotype" panose="02040502050505030304" pitchFamily="18" charset="0"/>
               </a:rPr>
-              <a:t>Red symbolizes higher values in features.</a:t>
-            </a:r>
-          </a:p>
-          <a:p>
-            <a:pPr marL="285750" indent="-285750">
-              <a:buFont typeface="Arial" panose="020B0604020202020204" pitchFamily="34" charset="0"/>
-              <a:buChar char="•"/>
-            </a:pPr>
-            <a:r>
-              <a:rPr lang="en-US" dirty="0">
-                <a:latin typeface="Palatino Linotype" panose="02040502050505030304" pitchFamily="18" charset="0"/>
-              </a:rPr>
-              <a:t>Placement on x-axis indicates influence direction.</a:t>
+              <a:t>Placement on x-axis indicates direction of influence</a:t>
             </a:r>
           </a:p>
           <a:p>
@@ -7784,7 +8020,7 @@
               <a:rPr lang="en-US" dirty="0">
                 <a:latin typeface="Palatino Linotype" panose="02040502050505030304" pitchFamily="18" charset="0"/>
               </a:rPr>
-              <a:t>Summary plot for label 1.</a:t>
+              <a:t>Summary plot for label 1</a:t>
             </a:r>
           </a:p>
           <a:p>
@@ -7793,52 +8029,10 @@
               <a:buChar char="•"/>
             </a:pPr>
             <a:r>
-              <a:rPr lang="en-US" i="1" dirty="0">
-                <a:latin typeface="Palatino Linotype" panose="02040502050505030304" pitchFamily="18" charset="0"/>
-              </a:rPr>
-              <a:t>Newsletter </a:t>
-            </a:r>
-            <a:r>
               <a:rPr lang="en-US" dirty="0">
                 <a:latin typeface="Palatino Linotype" panose="02040502050505030304" pitchFamily="18" charset="0"/>
               </a:rPr>
-              <a:t>variable example.</a:t>
-            </a:r>
-          </a:p>
-          <a:p>
-            <a:pPr marL="285750" indent="-285750">
-              <a:buFont typeface="Arial" panose="020B0604020202020204" pitchFamily="34" charset="0"/>
-              <a:buChar char="•"/>
-            </a:pPr>
-            <a:r>
-              <a:rPr lang="en-US" dirty="0">
-                <a:latin typeface="Palatino Linotype" panose="02040502050505030304" pitchFamily="18" charset="0"/>
-              </a:rPr>
-              <a:t>Higher </a:t>
-            </a:r>
-            <a:r>
-              <a:rPr lang="en-US" i="1" dirty="0">
-                <a:latin typeface="Palatino Linotype" panose="02040502050505030304" pitchFamily="18" charset="0"/>
-              </a:rPr>
-              <a:t>Newsletter</a:t>
-            </a:r>
-            <a:r>
-              <a:rPr lang="en-US" dirty="0">
-                <a:latin typeface="Palatino Linotype" panose="02040502050505030304" pitchFamily="18" charset="0"/>
-              </a:rPr>
-              <a:t> values increase label.</a:t>
-            </a:r>
-          </a:p>
-          <a:p>
-            <a:pPr marL="285750" indent="-285750">
-              <a:buFont typeface="Arial" panose="020B0604020202020204" pitchFamily="34" charset="0"/>
-              <a:buChar char="•"/>
-            </a:pPr>
-            <a:r>
-              <a:rPr lang="en-US" dirty="0">
-                <a:latin typeface="Palatino Linotype" panose="02040502050505030304" pitchFamily="18" charset="0"/>
-              </a:rPr>
-              <a:t>Example: Subscribed customers more likely to repurchase.</a:t>
+              <a:t>For label 0 the visualization will be flipped</a:t>
             </a:r>
           </a:p>
           <a:p>
@@ -7859,8 +8053,102 @@
               <a:rPr lang="en-US" dirty="0">
                 <a:latin typeface="Palatino Linotype" panose="02040502050505030304" pitchFamily="18" charset="0"/>
               </a:rPr>
-              <a:t>For label 0 the visualization will be flipped.</a:t>
-            </a:r>
+              <a:t>Higher </a:t>
+            </a:r>
+            <a:r>
+              <a:rPr lang="en-US" i="1" dirty="0">
+                <a:latin typeface="Palatino Linotype" panose="02040502050505030304" pitchFamily="18" charset="0"/>
+              </a:rPr>
+              <a:t>Newsletter</a:t>
+            </a:r>
+            <a:r>
+              <a:rPr lang="en-US" dirty="0">
+                <a:latin typeface="Palatino Linotype" panose="02040502050505030304" pitchFamily="18" charset="0"/>
+              </a:rPr>
+              <a:t> values increase label</a:t>
+            </a:r>
+          </a:p>
+          <a:p>
+            <a:pPr marL="285750" indent="-285750">
+              <a:buFont typeface="Wingdings" panose="05000000000000000000" pitchFamily="2" charset="2"/>
+              <a:buChar char="Ø"/>
+            </a:pPr>
+            <a:r>
+              <a:rPr lang="en-US" dirty="0">
+                <a:latin typeface="Palatino Linotype" panose="02040502050505030304" pitchFamily="18" charset="0"/>
+              </a:rPr>
+              <a:t>Subscribed customers are more likely to repurchase</a:t>
+            </a:r>
+          </a:p>
+          <a:p>
+            <a:pPr marL="285750" indent="-285750">
+              <a:buFont typeface="Arial" panose="020B0604020202020204" pitchFamily="34" charset="0"/>
+              <a:buChar char="•"/>
+            </a:pPr>
+            <a:r>
+              <a:rPr lang="en-US" dirty="0">
+                <a:latin typeface="Palatino Linotype" panose="02040502050505030304" pitchFamily="18" charset="0"/>
+              </a:rPr>
+              <a:t>Higher </a:t>
+            </a:r>
+            <a:r>
+              <a:rPr lang="en-US" i="1" dirty="0" err="1">
+                <a:latin typeface="Palatino Linotype" panose="02040502050505030304" pitchFamily="18" charset="0"/>
+              </a:rPr>
+              <a:t>Shippingscosts</a:t>
+            </a:r>
+            <a:r>
+              <a:rPr lang="en-US" dirty="0">
+                <a:latin typeface="Palatino Linotype" panose="02040502050505030304" pitchFamily="18" charset="0"/>
+              </a:rPr>
+              <a:t> values decrease label</a:t>
+            </a:r>
+          </a:p>
+          <a:p>
+            <a:pPr marL="285750" indent="-285750">
+              <a:buFont typeface="Wingdings" panose="05000000000000000000" pitchFamily="2" charset="2"/>
+              <a:buChar char="Ø"/>
+            </a:pPr>
+            <a:r>
+              <a:rPr lang="en-US" dirty="0">
+                <a:latin typeface="Palatino Linotype" panose="02040502050505030304" pitchFamily="18" charset="0"/>
+              </a:rPr>
+              <a:t>People who had to pay for shipping are less likely to repurchase</a:t>
+            </a:r>
+          </a:p>
+          <a:p>
+            <a:endParaRPr lang="en-US" dirty="0">
+              <a:latin typeface="Palatino Linotype" panose="02040502050505030304" pitchFamily="18" charset="0"/>
+            </a:endParaRPr>
+          </a:p>
+        </p:txBody>
+      </p:sp>
+      <p:sp>
+        <p:nvSpPr>
+          <p:cNvPr id="2" name="Foliennummernplatzhalter 1">
+            <a:extLst>
+              <a:ext uri="{FF2B5EF4-FFF2-40B4-BE49-F238E27FC236}">
+                <a16:creationId xmlns:a16="http://schemas.microsoft.com/office/drawing/2014/main" id="{31BDF56A-377A-225C-FA10-9DEFD000F6D9}"/>
+              </a:ext>
+            </a:extLst>
+          </p:cNvPr>
+          <p:cNvSpPr>
+            <a:spLocks noGrp="1"/>
+          </p:cNvSpPr>
+          <p:nvPr>
+            <p:ph type="sldNum" sz="quarter" idx="12"/>
+          </p:nvPr>
+        </p:nvSpPr>
+        <p:spPr/>
+        <p:txBody>
+          <a:bodyPr/>
+          <a:lstStyle/>
+          <a:p>
+            <a:fld id="{6B14F822-F3AE-4E53-92AD-369648C2C3CE}" type="slidenum">
+              <a:rPr lang="en-US" smtClean="0"/>
+              <a:t>7</a:t>
+            </a:fld>
+            <a:endParaRPr lang="en-US"/>
           </a:p>
         </p:txBody>
       </p:sp>
@@ -7913,65 +8201,87 @@
         <p:spPr>
           <a:xfrm>
             <a:off x="6096000" y="1646118"/>
-            <a:ext cx="4196693" cy="4351338"/>
+            <a:ext cx="5817079" cy="4351338"/>
           </a:xfrm>
         </p:spPr>
         <p:txBody>
           <a:bodyPr>
-            <a:normAutofit fontScale="77500" lnSpcReduction="20000"/>
+            <a:normAutofit/>
           </a:bodyPr>
           <a:lstStyle/>
           <a:p>
             <a:r>
-              <a:rPr lang="en-US" dirty="0">
-                <a:latin typeface="Palatino Linotype" panose="02040502050505030304" pitchFamily="18" charset="0"/>
-              </a:rPr>
-              <a:t>LIME interprets ML model predictions.</a:t>
-            </a:r>
-          </a:p>
-          <a:p>
-            <a:r>
-              <a:rPr lang="en-US" dirty="0">
-                <a:latin typeface="Palatino Linotype" panose="02040502050505030304" pitchFamily="18" charset="0"/>
-              </a:rPr>
-              <a:t>Locally faithful explanations.</a:t>
-            </a:r>
-          </a:p>
-          <a:p>
-            <a:r>
-              <a:rPr lang="en-US" dirty="0">
-                <a:latin typeface="Palatino Linotype" panose="02040502050505030304" pitchFamily="18" charset="0"/>
-              </a:rPr>
-              <a:t>Approximates behavior around instances.</a:t>
-            </a:r>
-          </a:p>
-          <a:p>
-            <a:r>
-              <a:rPr lang="en-US" dirty="0">
-                <a:latin typeface="Palatino Linotype" panose="02040502050505030304" pitchFamily="18" charset="0"/>
-              </a:rPr>
-              <a:t>Identifies top 10 influential features.</a:t>
-            </a:r>
-          </a:p>
-          <a:p>
-            <a:endParaRPr lang="en-US" dirty="0">
-              <a:latin typeface="Palatino Linotype" panose="02040502050505030304" pitchFamily="18" charset="0"/>
-            </a:endParaRPr>
-          </a:p>
-          <a:p>
-            <a:r>
-              <a:rPr lang="en-US" dirty="0">
-                <a:latin typeface="Palatino Linotype" panose="02040502050505030304" pitchFamily="18" charset="0"/>
-              </a:rPr>
-              <a:t>LIME predicts 34% repurchase for index 303.</a:t>
-            </a:r>
-          </a:p>
-          <a:p>
-            <a:r>
-              <a:rPr lang="en-US" dirty="0">
-                <a:latin typeface="Palatino Linotype" panose="02040502050505030304" pitchFamily="18" charset="0"/>
-              </a:rPr>
-              <a:t>Probability linked to not subscribing and shipping costs.</a:t>
+              <a:rPr lang="en-US" sz="2000" dirty="0">
+                <a:latin typeface="Palatino Linotype" panose="02040502050505030304" pitchFamily="18" charset="0"/>
+              </a:rPr>
+              <a:t>Explain individual predictions by approximating the black-box model locally with an easier model</a:t>
+            </a:r>
+          </a:p>
+          <a:p>
+            <a:pPr lvl="1"/>
+            <a:r>
+              <a:rPr lang="en-US" sz="2000" dirty="0">
+                <a:latin typeface="Palatino Linotype" panose="02040502050505030304" pitchFamily="18" charset="0"/>
+              </a:rPr>
+              <a:t>Interpretable</a:t>
+            </a:r>
+          </a:p>
+          <a:p>
+            <a:pPr lvl="1"/>
+            <a:r>
+              <a:rPr lang="en-US" sz="2000" dirty="0">
+                <a:latin typeface="Palatino Linotype" panose="02040502050505030304" pitchFamily="18" charset="0"/>
+              </a:rPr>
+              <a:t>Locally faithful</a:t>
+            </a:r>
+          </a:p>
+          <a:p>
+            <a:r>
+              <a:rPr lang="en-US" sz="2000" dirty="0">
+                <a:latin typeface="Palatino Linotype" panose="02040502050505030304" pitchFamily="18" charset="0"/>
+              </a:rPr>
+              <a:t>10 most influential features visualized</a:t>
+            </a:r>
+          </a:p>
+          <a:p>
+            <a:r>
+              <a:rPr lang="en-US" sz="2000" dirty="0">
+                <a:latin typeface="Palatino Linotype" panose="02040502050505030304" pitchFamily="18" charset="0"/>
+              </a:rPr>
+              <a:t>For observation 303 LIME predicts repurchase probability to only be 34%.</a:t>
+            </a:r>
+          </a:p>
+          <a:p>
+            <a:pPr lvl="1"/>
+            <a:r>
+              <a:rPr lang="en-US" sz="2000" dirty="0">
+                <a:latin typeface="Palatino Linotype" panose="02040502050505030304" pitchFamily="18" charset="0"/>
+              </a:rPr>
+              <a:t>Not subscribed to newsletter -&gt; no purchase</a:t>
+            </a:r>
+          </a:p>
+          <a:p>
+            <a:pPr lvl="1"/>
+            <a:r>
+              <a:rPr lang="en-US" sz="2000" dirty="0" err="1">
+                <a:latin typeface="Palatino Linotype" panose="02040502050505030304" pitchFamily="18" charset="0"/>
+              </a:rPr>
+              <a:t>Shippingscosts</a:t>
+            </a:r>
+            <a:r>
+              <a:rPr lang="en-US" sz="2000" dirty="0">
+                <a:latin typeface="Palatino Linotype" panose="02040502050505030304" pitchFamily="18" charset="0"/>
+              </a:rPr>
+              <a:t> paid -&gt; no purchase</a:t>
+            </a:r>
+          </a:p>
+          <a:p>
+            <a:pPr lvl="1"/>
+            <a:r>
+              <a:rPr lang="en-US" sz="2000" dirty="0">
+                <a:latin typeface="Palatino Linotype" panose="02040502050505030304" pitchFamily="18" charset="0"/>
+              </a:rPr>
+              <a:t>0 remitted items -&gt; purchase</a:t>
             </a:r>
           </a:p>
         </p:txBody>
@@ -8039,6 +8349,24 @@
                 <a:latin typeface="Palatino Linotype" panose="02040502050505030304" pitchFamily="18" charset="0"/>
               </a:rPr>
               <a:t>interpretability</a:t>
+            </a:r>
+            <a:r>
+              <a:rPr lang="de-DE" sz="3600" dirty="0">
+                <a:latin typeface="Palatino Linotype" panose="02040502050505030304" pitchFamily="18" charset="0"/>
+              </a:rPr>
+              <a:t>: </a:t>
+            </a:r>
+            <a:r>
+              <a:rPr lang="de-DE" sz="3600" dirty="0" err="1">
+                <a:latin typeface="Palatino Linotype" panose="02040502050505030304" pitchFamily="18" charset="0"/>
+              </a:rPr>
+              <a:t>Local</a:t>
+            </a:r>
+            <a:r>
+              <a:rPr lang="de-DE" sz="3600" dirty="0">
+                <a:latin typeface="Palatino Linotype" panose="02040502050505030304" pitchFamily="18" charset="0"/>
+              </a:rPr>
+              <a:t> Surrogate</a:t>
             </a:r>
             <a:endParaRPr lang="en-US" sz="3600" dirty="0">
               <a:latin typeface="Palatino Linotype" panose="02040502050505030304" pitchFamily="18" charset="0"/>
@@ -8078,7 +8406,31 @@
               <a:rPr lang="de-DE" b="1" dirty="0">
                 <a:latin typeface="Palatino Linotype" panose="02040502050505030304" pitchFamily="18" charset="0"/>
               </a:rPr>
-              <a:t>LIME</a:t>
+              <a:t>Results </a:t>
+            </a:r>
+            <a:r>
+              <a:rPr lang="de-DE" b="1" dirty="0" err="1">
+                <a:latin typeface="Palatino Linotype" panose="02040502050505030304" pitchFamily="18" charset="0"/>
+              </a:rPr>
+              <a:t>for</a:t>
+            </a:r>
+            <a:r>
+              <a:rPr lang="de-DE" b="1" dirty="0">
+                <a:latin typeface="Palatino Linotype" panose="02040502050505030304" pitchFamily="18" charset="0"/>
+              </a:rPr>
+              <a:t> </a:t>
+            </a:r>
+            <a:r>
+              <a:rPr lang="de-DE" b="1" dirty="0" err="1">
+                <a:latin typeface="Palatino Linotype" panose="02040502050505030304" pitchFamily="18" charset="0"/>
+              </a:rPr>
+              <a:t>observation</a:t>
+            </a:r>
+            <a:r>
+              <a:rPr lang="de-DE" b="1" dirty="0">
+                <a:latin typeface="Palatino Linotype" panose="02040502050505030304" pitchFamily="18" charset="0"/>
+              </a:rPr>
+              <a:t> 303</a:t>
             </a:r>
             <a:endParaRPr lang="en-US" b="1" dirty="0">
               <a:latin typeface="Palatino Linotype" panose="02040502050505030304" pitchFamily="18" charset="0"/>
@@ -8176,6 +8528,35 @@
           </a:prstGeom>
         </p:spPr>
       </p:pic>
+      <p:sp>
+        <p:nvSpPr>
+          <p:cNvPr id="2" name="Foliennummernplatzhalter 1">
+            <a:extLst>
+              <a:ext uri="{FF2B5EF4-FFF2-40B4-BE49-F238E27FC236}">
+                <a16:creationId xmlns:a16="http://schemas.microsoft.com/office/drawing/2014/main" id="{1BD3633C-88C9-F03C-FF05-EAB00960E542}"/>
+              </a:ext>
+            </a:extLst>
+          </p:cNvPr>
+          <p:cNvSpPr>
+            <a:spLocks noGrp="1"/>
+          </p:cNvSpPr>
+          <p:nvPr>
+            <p:ph type="sldNum" sz="quarter" idx="12"/>
+          </p:nvPr>
+        </p:nvSpPr>
+        <p:spPr/>
+        <p:txBody>
+          <a:bodyPr/>
+          <a:lstStyle/>
+          <a:p>
+            <a:fld id="{6B14F822-F3AE-4E53-92AD-369648C2C3CE}" type="slidenum">
+              <a:rPr lang="en-US" smtClean="0"/>
+              <a:t>8</a:t>
+            </a:fld>
+            <a:endParaRPr lang="en-US"/>
+          </a:p>
+        </p:txBody>
+      </p:sp>
     </p:spTree>
     <p:extLst>
       <p:ext uri="{BB962C8B-B14F-4D97-AF65-F5344CB8AC3E}">
@@ -8222,21 +8603,141 @@
             <p:ph idx="1"/>
           </p:nvPr>
         </p:nvSpPr>
-        <p:spPr/>
+        <p:spPr>
+          <a:xfrm>
+            <a:off x="838200" y="3085081"/>
+            <a:ext cx="10515600" cy="4351338"/>
+          </a:xfrm>
+        </p:spPr>
         <p:txBody>
           <a:bodyPr/>
           <a:lstStyle/>
           <a:p>
-            <a:endParaRPr lang="en-US" dirty="0"/>
-          </a:p>
-        </p:txBody>
-      </p:sp>
-      <p:sp>
-        <p:nvSpPr>
-          <p:cNvPr id="7" name="Titel 6">
-            <a:extLst>
-              <a:ext uri="{FF2B5EF4-FFF2-40B4-BE49-F238E27FC236}">
-                <a16:creationId xmlns:a16="http://schemas.microsoft.com/office/drawing/2014/main" id="{751DBF00-AC1E-C92A-8CFE-C29C11622433}"/>
+            <a:pPr marL="0" indent="0" algn="ctr">
+              <a:buNone/>
+            </a:pPr>
+            <a:r>
+              <a:rPr lang="de-DE" sz="2800" dirty="0" err="1"/>
+              <a:t>With</a:t>
+            </a:r>
+            <a:r>
+              <a:rPr lang="de-DE" sz="2800" dirty="0"/>
+              <a:t> </a:t>
+            </a:r>
+            <a:r>
+              <a:rPr lang="de-DE" sz="2800" dirty="0" err="1"/>
+              <a:t>the</a:t>
+            </a:r>
+            <a:r>
+              <a:rPr lang="de-DE" sz="2800" dirty="0"/>
+              <a:t> </a:t>
+            </a:r>
+            <a:r>
+              <a:rPr lang="de-DE" sz="2800" dirty="0" err="1"/>
+              <a:t>use</a:t>
+            </a:r>
+            <a:r>
+              <a:rPr lang="de-DE" sz="2800" dirty="0"/>
+              <a:t> of </a:t>
+            </a:r>
+            <a:r>
+              <a:rPr lang="de-DE" sz="2800" dirty="0" err="1"/>
+              <a:t>our</a:t>
+            </a:r>
+            <a:r>
+              <a:rPr lang="de-DE" sz="2800" dirty="0"/>
+              <a:t> Random Forest </a:t>
+            </a:r>
+            <a:r>
+              <a:rPr lang="de-DE" sz="2800" dirty="0" err="1"/>
+              <a:t>model</a:t>
+            </a:r>
+            <a:r>
+              <a:rPr lang="de-DE" sz="2800" dirty="0"/>
+              <a:t> </a:t>
+            </a:r>
+            <a:r>
+              <a:rPr lang="de-DE" sz="2800" dirty="0" err="1"/>
+              <a:t>revenue</a:t>
+            </a:r>
+            <a:r>
+              <a:rPr lang="de-DE" sz="2800" dirty="0"/>
+              <a:t> </a:t>
+            </a:r>
+            <a:r>
+              <a:rPr lang="de-DE" sz="2800" dirty="0" err="1"/>
+              <a:t>increases</a:t>
+            </a:r>
+            <a:r>
+              <a:rPr lang="de-DE" sz="2800" dirty="0"/>
+              <a:t> </a:t>
+            </a:r>
+            <a:r>
+              <a:rPr lang="de-DE" sz="2800" dirty="0" err="1"/>
+              <a:t>by</a:t>
+            </a:r>
+            <a:r>
+              <a:rPr lang="de-DE" sz="2800" dirty="0"/>
+              <a:t> </a:t>
+            </a:r>
+            <a:r>
+              <a:rPr lang="de-DE" sz="2800" dirty="0" err="1"/>
+              <a:t>as</a:t>
+            </a:r>
+            <a:r>
+              <a:rPr lang="de-DE" sz="2800" dirty="0"/>
+              <a:t> </a:t>
+            </a:r>
+            <a:r>
+              <a:rPr lang="de-DE" sz="2800" dirty="0" err="1"/>
+              <a:t>much</a:t>
+            </a:r>
+            <a:r>
+              <a:rPr lang="de-DE" sz="2800" dirty="0"/>
+              <a:t> </a:t>
+            </a:r>
+            <a:r>
+              <a:rPr lang="de-DE" sz="2800" dirty="0" err="1"/>
+              <a:t>as</a:t>
+            </a:r>
+            <a:r>
+              <a:rPr lang="de-DE" sz="2800" dirty="0"/>
+              <a:t> 25% </a:t>
+            </a:r>
+            <a:r>
+              <a:rPr lang="de-DE" sz="2800" dirty="0" err="1"/>
+              <a:t>can</a:t>
+            </a:r>
+            <a:r>
+              <a:rPr lang="de-DE" sz="2800" dirty="0"/>
+              <a:t> </a:t>
+            </a:r>
+            <a:r>
+              <a:rPr lang="de-DE" sz="2800" dirty="0" err="1"/>
+              <a:t>be</a:t>
+            </a:r>
+            <a:r>
+              <a:rPr lang="de-DE" sz="2800" dirty="0"/>
+              <a:t> </a:t>
+            </a:r>
+            <a:r>
+              <a:rPr lang="de-DE" sz="2800" dirty="0" err="1"/>
+              <a:t>achieved</a:t>
+            </a:r>
+            <a:r>
+              <a:rPr lang="de-DE" sz="2800" dirty="0"/>
+              <a:t>! </a:t>
+            </a:r>
+            <a:endParaRPr lang="en-US" sz="2800" dirty="0"/>
+          </a:p>
+        </p:txBody>
+      </p:sp>
+      <p:sp>
+        <p:nvSpPr>
+          <p:cNvPr id="9" name="Foliennummernplatzhalter 8">
+            <a:extLst>
+              <a:ext uri="{FF2B5EF4-FFF2-40B4-BE49-F238E27FC236}">
+                <a16:creationId xmlns:a16="http://schemas.microsoft.com/office/drawing/2014/main" id="{BD010917-5613-7FDD-72CD-6F1900D0B0C1}"/>
               </a:ext>
             </a:extLst>
           </p:cNvPr>
@@ -8244,30 +8745,19 @@
             <a:spLocks noGrp="1"/>
           </p:cNvSpPr>
           <p:nvPr>
-            <p:ph type="title"/>
+            <p:ph type="sldNum" sz="quarter" idx="12"/>
           </p:nvPr>
         </p:nvSpPr>
-        <p:spPr>
-          <a:xfrm>
-            <a:off x="0" y="122340"/>
-            <a:ext cx="10515600" cy="1325563"/>
-          </a:xfrm>
-        </p:spPr>
-        <p:txBody>
-          <a:bodyPr>
-            <a:normAutofit/>
-          </a:bodyPr>
+        <p:spPr/>
+        <p:txBody>
+          <a:bodyPr/>
           <a:lstStyle/>
           <a:p>
-            <a:r>
-              <a:rPr lang="de-DE" sz="3600" dirty="0">
-                <a:latin typeface="Palatino Linotype" panose="02040502050505030304" pitchFamily="18" charset="0"/>
-              </a:rPr>
-              <a:t>	Summary</a:t>
-            </a:r>
-            <a:endParaRPr lang="en-US" sz="3600" dirty="0">
-              <a:latin typeface="Palatino Linotype" panose="02040502050505030304" pitchFamily="18" charset="0"/>
-            </a:endParaRPr>
+            <a:fld id="{6B14F822-F3AE-4E53-92AD-369648C2C3CE}" type="slidenum">
+              <a:rPr lang="en-US" smtClean="0"/>
+              <a:t>9</a:t>
+            </a:fld>
+            <a:endParaRPr lang="en-US"/>
           </a:p>
         </p:txBody>
       </p:sp>
